--- a/其他内容/Git.pptx
+++ b/其他内容/Git.pptx
@@ -34,6 +34,8 @@
     <p:sldId id="281" r:id="rId28"/>
     <p:sldId id="283" r:id="rId29"/>
     <p:sldId id="284" r:id="rId30"/>
+    <p:sldId id="285" r:id="rId31"/>
+    <p:sldId id="286" r:id="rId32"/>
   </p:sldIdLst>
   <p:sldSz cx="12192000" cy="6858000"/>
   <p:notesSz cx="6858000" cy="9144000"/>
@@ -271,7 +273,7 @@
           <a:p>
             <a:fld id="{BBCB383D-4FCC-4DA7-ACFC-366B622C6CC6}" type="datetimeFigureOut">
               <a:rPr lang="zh-CN" altLang="en-US" smtClean="0"/>
-              <a:t>2020/10/27</a:t>
+              <a:t>2020/11/26</a:t>
             </a:fld>
             <a:endParaRPr lang="zh-CN" altLang="en-US"/>
           </a:p>
@@ -441,7 +443,7 @@
           <a:p>
             <a:fld id="{BBCB383D-4FCC-4DA7-ACFC-366B622C6CC6}" type="datetimeFigureOut">
               <a:rPr lang="zh-CN" altLang="en-US" smtClean="0"/>
-              <a:t>2020/10/27</a:t>
+              <a:t>2020/11/26</a:t>
             </a:fld>
             <a:endParaRPr lang="zh-CN" altLang="en-US"/>
           </a:p>
@@ -621,7 +623,7 @@
           <a:p>
             <a:fld id="{BBCB383D-4FCC-4DA7-ACFC-366B622C6CC6}" type="datetimeFigureOut">
               <a:rPr lang="zh-CN" altLang="en-US" smtClean="0"/>
-              <a:t>2020/10/27</a:t>
+              <a:t>2020/11/26</a:t>
             </a:fld>
             <a:endParaRPr lang="zh-CN" altLang="en-US"/>
           </a:p>
@@ -791,7 +793,7 @@
           <a:p>
             <a:fld id="{BBCB383D-4FCC-4DA7-ACFC-366B622C6CC6}" type="datetimeFigureOut">
               <a:rPr lang="zh-CN" altLang="en-US" smtClean="0"/>
-              <a:t>2020/10/27</a:t>
+              <a:t>2020/11/26</a:t>
             </a:fld>
             <a:endParaRPr lang="zh-CN" altLang="en-US"/>
           </a:p>
@@ -1037,7 +1039,7 @@
           <a:p>
             <a:fld id="{BBCB383D-4FCC-4DA7-ACFC-366B622C6CC6}" type="datetimeFigureOut">
               <a:rPr lang="zh-CN" altLang="en-US" smtClean="0"/>
-              <a:t>2020/10/27</a:t>
+              <a:t>2020/11/26</a:t>
             </a:fld>
             <a:endParaRPr lang="zh-CN" altLang="en-US"/>
           </a:p>
@@ -1269,7 +1271,7 @@
           <a:p>
             <a:fld id="{BBCB383D-4FCC-4DA7-ACFC-366B622C6CC6}" type="datetimeFigureOut">
               <a:rPr lang="zh-CN" altLang="en-US" smtClean="0"/>
-              <a:t>2020/10/27</a:t>
+              <a:t>2020/11/26</a:t>
             </a:fld>
             <a:endParaRPr lang="zh-CN" altLang="en-US"/>
           </a:p>
@@ -1636,7 +1638,7 @@
           <a:p>
             <a:fld id="{BBCB383D-4FCC-4DA7-ACFC-366B622C6CC6}" type="datetimeFigureOut">
               <a:rPr lang="zh-CN" altLang="en-US" smtClean="0"/>
-              <a:t>2020/10/27</a:t>
+              <a:t>2020/11/26</a:t>
             </a:fld>
             <a:endParaRPr lang="zh-CN" altLang="en-US"/>
           </a:p>
@@ -1754,7 +1756,7 @@
           <a:p>
             <a:fld id="{BBCB383D-4FCC-4DA7-ACFC-366B622C6CC6}" type="datetimeFigureOut">
               <a:rPr lang="zh-CN" altLang="en-US" smtClean="0"/>
-              <a:t>2020/10/27</a:t>
+              <a:t>2020/11/26</a:t>
             </a:fld>
             <a:endParaRPr lang="zh-CN" altLang="en-US"/>
           </a:p>
@@ -1849,7 +1851,7 @@
           <a:p>
             <a:fld id="{BBCB383D-4FCC-4DA7-ACFC-366B622C6CC6}" type="datetimeFigureOut">
               <a:rPr lang="zh-CN" altLang="en-US" smtClean="0"/>
-              <a:t>2020/10/27</a:t>
+              <a:t>2020/11/26</a:t>
             </a:fld>
             <a:endParaRPr lang="zh-CN" altLang="en-US"/>
           </a:p>
@@ -2126,7 +2128,7 @@
           <a:p>
             <a:fld id="{BBCB383D-4FCC-4DA7-ACFC-366B622C6CC6}" type="datetimeFigureOut">
               <a:rPr lang="zh-CN" altLang="en-US" smtClean="0"/>
-              <a:t>2020/10/27</a:t>
+              <a:t>2020/11/26</a:t>
             </a:fld>
             <a:endParaRPr lang="zh-CN" altLang="en-US"/>
           </a:p>
@@ -2379,7 +2381,7 @@
           <a:p>
             <a:fld id="{BBCB383D-4FCC-4DA7-ACFC-366B622C6CC6}" type="datetimeFigureOut">
               <a:rPr lang="zh-CN" altLang="en-US" smtClean="0"/>
-              <a:t>2020/10/27</a:t>
+              <a:t>2020/11/26</a:t>
             </a:fld>
             <a:endParaRPr lang="zh-CN" altLang="en-US"/>
           </a:p>
@@ -2592,7 +2594,7 @@
           <a:p>
             <a:fld id="{BBCB383D-4FCC-4DA7-ACFC-366B622C6CC6}" type="datetimeFigureOut">
               <a:rPr lang="zh-CN" altLang="en-US" smtClean="0"/>
-              <a:t>2020/10/27</a:t>
+              <a:t>2020/11/26</a:t>
             </a:fld>
             <a:endParaRPr lang="zh-CN" altLang="en-US"/>
           </a:p>
@@ -17726,6 +17728,1142 @@
 </p:sld>
 </file>
 
+<file path=ppt/slides/slide30.xml><?xml version="1.0" encoding="utf-8"?>
+<p:sld xmlns:a="http://schemas.openxmlformats.org/drawingml/2006/main" xmlns:r="http://schemas.openxmlformats.org/officeDocument/2006/relationships" xmlns:p="http://schemas.openxmlformats.org/presentationml/2006/main">
+  <p:cSld>
+    <p:spTree>
+      <p:nvGrpSpPr>
+        <p:cNvPr id="1" name=""/>
+        <p:cNvGrpSpPr/>
+        <p:nvPr/>
+      </p:nvGrpSpPr>
+      <p:grpSpPr>
+        <a:xfrm>
+          <a:off x="0" y="0"/>
+          <a:ext cx="0" cy="0"/>
+          <a:chOff x="0" y="0"/>
+          <a:chExt cx="0" cy="0"/>
+        </a:xfrm>
+      </p:grpSpPr>
+      <p:sp>
+        <p:nvSpPr>
+          <p:cNvPr id="2" name="文本框 1"/>
+          <p:cNvSpPr txBox="1"/>
+          <p:nvPr/>
+        </p:nvSpPr>
+        <p:spPr>
+          <a:xfrm>
+            <a:off x="1473200" y="482600"/>
+            <a:ext cx="6286500" cy="1754326"/>
+          </a:xfrm>
+          <a:prstGeom prst="rect">
+            <a:avLst/>
+          </a:prstGeom>
+          <a:noFill/>
+        </p:spPr>
+        <p:txBody>
+          <a:bodyPr wrap="square" rtlCol="0">
+            <a:spAutoFit/>
+          </a:bodyPr>
+          <a:lstStyle/>
+          <a:p>
+            <a:r>
+              <a:rPr lang="zh-CN" altLang="en-US" dirty="0" smtClean="0"/>
+              <a:t>把远程代码中分支内容合并到</a:t>
+            </a:r>
+            <a:r>
+              <a:rPr lang="en-US" altLang="zh-CN" dirty="0" smtClean="0"/>
+              <a:t>master</a:t>
+            </a:r>
+            <a:r>
+              <a:rPr lang="zh-CN" altLang="en-US" dirty="0" smtClean="0"/>
+              <a:t>的步骤：</a:t>
+            </a:r>
+            <a:endParaRPr lang="en-US" altLang="zh-CN" dirty="0" smtClean="0"/>
+          </a:p>
+          <a:p>
+            <a:r>
+              <a:rPr lang="en-US" altLang="zh-CN" dirty="0" smtClean="0"/>
+              <a:t>1.</a:t>
+            </a:r>
+            <a:r>
+              <a:rPr lang="zh-CN" altLang="en-US" dirty="0" smtClean="0"/>
+              <a:t>把</a:t>
+            </a:r>
+            <a:r>
+              <a:rPr lang="en-US" altLang="zh-CN" dirty="0" smtClean="0"/>
+              <a:t>maser</a:t>
+            </a:r>
+            <a:r>
+              <a:rPr lang="zh-CN" altLang="en-US" dirty="0" smtClean="0"/>
+              <a:t>代码克隆下来</a:t>
+            </a:r>
+            <a:endParaRPr lang="en-US" altLang="zh-CN" dirty="0" smtClean="0"/>
+          </a:p>
+          <a:p>
+            <a:r>
+              <a:rPr lang="en-US" altLang="zh-CN" dirty="0" smtClean="0"/>
+              <a:t>2.</a:t>
+            </a:r>
+            <a:r>
+              <a:rPr lang="zh-CN" altLang="en-US" dirty="0" smtClean="0"/>
+              <a:t>创建分支，把分支代码</a:t>
+            </a:r>
+            <a:r>
+              <a:rPr lang="en-US" altLang="zh-CN" dirty="0" smtClean="0"/>
+              <a:t>pull</a:t>
+            </a:r>
+            <a:r>
+              <a:rPr lang="zh-CN" altLang="en-US" dirty="0" smtClean="0"/>
+              <a:t>下来</a:t>
+            </a:r>
+            <a:endParaRPr lang="en-US" altLang="zh-CN" dirty="0" smtClean="0"/>
+          </a:p>
+          <a:p>
+            <a:r>
+              <a:rPr lang="en-US" altLang="zh-CN" dirty="0" smtClean="0"/>
+              <a:t>3.Git merge </a:t>
+            </a:r>
+            <a:r>
+              <a:rPr lang="zh-CN" altLang="en-US" dirty="0" smtClean="0"/>
+              <a:t>完成合并。</a:t>
+            </a:r>
+            <a:endParaRPr lang="en-US" altLang="zh-CN" dirty="0" smtClean="0"/>
+          </a:p>
+          <a:p>
+            <a:r>
+              <a:rPr lang="en-US" altLang="zh-CN" dirty="0" smtClean="0"/>
+              <a:t>4.</a:t>
+            </a:r>
+            <a:r>
+              <a:rPr lang="zh-CN" altLang="en-US" dirty="0" smtClean="0"/>
+              <a:t>把</a:t>
+            </a:r>
+            <a:r>
+              <a:rPr lang="en-US" altLang="zh-CN" dirty="0" smtClean="0"/>
+              <a:t>master</a:t>
+            </a:r>
+            <a:r>
+              <a:rPr lang="zh-CN" altLang="en-US" dirty="0" smtClean="0"/>
+              <a:t>的修改</a:t>
+            </a:r>
+            <a:r>
+              <a:rPr lang="en-US" altLang="zh-CN" dirty="0" smtClean="0"/>
+              <a:t>push</a:t>
+            </a:r>
+            <a:r>
+              <a:rPr lang="zh-CN" altLang="en-US" dirty="0" smtClean="0"/>
+              <a:t>远程</a:t>
+            </a:r>
+            <a:endParaRPr lang="en-US" altLang="zh-CN" dirty="0" smtClean="0"/>
+          </a:p>
+          <a:p>
+            <a:endParaRPr lang="zh-CN" altLang="en-US" dirty="0"/>
+          </a:p>
+        </p:txBody>
+      </p:sp>
+      <p:sp>
+        <p:nvSpPr>
+          <p:cNvPr id="3" name="矩形 2"/>
+          <p:cNvSpPr/>
+          <p:nvPr/>
+        </p:nvSpPr>
+        <p:spPr>
+          <a:xfrm>
+            <a:off x="496487" y="2368034"/>
+            <a:ext cx="2512226" cy="369332"/>
+          </a:xfrm>
+          <a:prstGeom prst="rect">
+            <a:avLst/>
+          </a:prstGeom>
+        </p:spPr>
+        <p:txBody>
+          <a:bodyPr wrap="none">
+            <a:spAutoFit/>
+          </a:bodyPr>
+          <a:lstStyle/>
+          <a:p>
+            <a:pPr latinLnBrk="1"/>
+            <a:r>
+              <a:rPr lang="en-US" altLang="zh-CN" b="1" dirty="0" err="1">
+                <a:solidFill>
+                  <a:srgbClr val="222226"/>
+                </a:solidFill>
+                <a:latin typeface="PingFang SC"/>
+              </a:rPr>
+              <a:t>git</a:t>
+            </a:r>
+            <a:r>
+              <a:rPr lang="en-US" altLang="zh-CN" b="1" dirty="0">
+                <a:solidFill>
+                  <a:srgbClr val="222226"/>
+                </a:solidFill>
+                <a:latin typeface="PingFang SC"/>
+              </a:rPr>
+              <a:t> </a:t>
+            </a:r>
+            <a:r>
+              <a:rPr lang="zh-CN" altLang="en-US" b="1" dirty="0">
+                <a:solidFill>
+                  <a:srgbClr val="222226"/>
+                </a:solidFill>
+                <a:latin typeface="PingFang SC"/>
+              </a:rPr>
+              <a:t>对比两个分支差异</a:t>
+            </a:r>
+            <a:endParaRPr lang="zh-CN" altLang="en-US" b="1" i="0" dirty="0">
+              <a:solidFill>
+                <a:srgbClr val="222226"/>
+              </a:solidFill>
+              <a:effectLst/>
+              <a:latin typeface="PingFang SC"/>
+            </a:endParaRPr>
+          </a:p>
+        </p:txBody>
+      </p:sp>
+      <p:sp>
+        <p:nvSpPr>
+          <p:cNvPr id="4" name="矩形 3"/>
+          <p:cNvSpPr/>
+          <p:nvPr/>
+        </p:nvSpPr>
+        <p:spPr>
+          <a:xfrm>
+            <a:off x="496486" y="2868474"/>
+            <a:ext cx="8888813" cy="646331"/>
+          </a:xfrm>
+          <a:prstGeom prst="rect">
+            <a:avLst/>
+          </a:prstGeom>
+        </p:spPr>
+        <p:txBody>
+          <a:bodyPr wrap="square">
+            <a:spAutoFit/>
+          </a:bodyPr>
+          <a:lstStyle/>
+          <a:p>
+            <a:r>
+              <a:rPr lang="zh-CN" altLang="en-US" b="1" dirty="0">
+                <a:solidFill>
+                  <a:srgbClr val="4F4F4F"/>
+                </a:solidFill>
+                <a:latin typeface="PingFang SC"/>
+              </a:rPr>
+              <a:t>比如我们有 </a:t>
+            </a:r>
+            <a:r>
+              <a:rPr lang="en-US" altLang="zh-CN" b="1" dirty="0">
+                <a:solidFill>
+                  <a:srgbClr val="4F4F4F"/>
+                </a:solidFill>
+                <a:latin typeface="PingFang SC"/>
+              </a:rPr>
+              <a:t>2 </a:t>
+            </a:r>
+            <a:r>
+              <a:rPr lang="zh-CN" altLang="en-US" b="1" dirty="0">
+                <a:solidFill>
+                  <a:srgbClr val="4F4F4F"/>
+                </a:solidFill>
+                <a:latin typeface="PingFang SC"/>
+              </a:rPr>
+              <a:t>个分支：</a:t>
+            </a:r>
+            <a:r>
+              <a:rPr lang="en-US" altLang="zh-CN" b="1" dirty="0">
+                <a:solidFill>
+                  <a:srgbClr val="4F4F4F"/>
+                </a:solidFill>
+                <a:latin typeface="PingFang SC"/>
+              </a:rPr>
+              <a:t>master, </a:t>
+            </a:r>
+            <a:r>
+              <a:rPr lang="en-US" altLang="zh-CN" b="1" dirty="0" err="1">
+                <a:solidFill>
+                  <a:srgbClr val="4F4F4F"/>
+                </a:solidFill>
+                <a:latin typeface="PingFang SC"/>
+              </a:rPr>
+              <a:t>dev</a:t>
+            </a:r>
+            <a:r>
+              <a:rPr lang="zh-CN" altLang="en-US" b="1" dirty="0">
+                <a:solidFill>
+                  <a:srgbClr val="4F4F4F"/>
+                </a:solidFill>
+                <a:latin typeface="PingFang SC"/>
+              </a:rPr>
+              <a:t>，现在想查看这两个 </a:t>
+            </a:r>
+            <a:r>
+              <a:rPr lang="en-US" altLang="zh-CN" b="1" dirty="0">
+                <a:solidFill>
+                  <a:srgbClr val="4F4F4F"/>
+                </a:solidFill>
+                <a:latin typeface="PingFang SC"/>
+              </a:rPr>
+              <a:t>branch </a:t>
+            </a:r>
+            <a:r>
+              <a:rPr lang="zh-CN" altLang="en-US" b="1" dirty="0">
+                <a:solidFill>
+                  <a:srgbClr val="4F4F4F"/>
+                </a:solidFill>
+                <a:latin typeface="PingFang SC"/>
+              </a:rPr>
+              <a:t>的区别，有以下几种方式：</a:t>
+            </a:r>
+            <a:endParaRPr lang="zh-CN" altLang="en-US" b="1" i="0" dirty="0">
+              <a:solidFill>
+                <a:srgbClr val="4F4F4F"/>
+              </a:solidFill>
+              <a:effectLst/>
+              <a:latin typeface="PingFang SC"/>
+            </a:endParaRPr>
+          </a:p>
+        </p:txBody>
+      </p:sp>
+      <p:sp>
+        <p:nvSpPr>
+          <p:cNvPr id="5" name="矩形 4"/>
+          <p:cNvSpPr/>
+          <p:nvPr/>
+        </p:nvSpPr>
+        <p:spPr>
+          <a:xfrm>
+            <a:off x="676583" y="3645913"/>
+            <a:ext cx="6053452" cy="369332"/>
+          </a:xfrm>
+          <a:prstGeom prst="rect">
+            <a:avLst/>
+          </a:prstGeom>
+        </p:spPr>
+        <p:txBody>
+          <a:bodyPr wrap="none">
+            <a:spAutoFit/>
+          </a:bodyPr>
+          <a:lstStyle/>
+          <a:p>
+            <a:r>
+              <a:rPr lang="en-US" altLang="zh-CN" b="1" dirty="0">
+                <a:solidFill>
+                  <a:srgbClr val="4F4F4F"/>
+                </a:solidFill>
+                <a:latin typeface="PingFang SC"/>
+              </a:rPr>
+              <a:t>1.</a:t>
+            </a:r>
+            <a:r>
+              <a:rPr lang="zh-CN" altLang="en-US" b="1" dirty="0">
+                <a:solidFill>
+                  <a:srgbClr val="4F4F4F"/>
+                </a:solidFill>
+                <a:latin typeface="PingFang SC"/>
+              </a:rPr>
+              <a:t>查看 </a:t>
+            </a:r>
+            <a:r>
+              <a:rPr lang="en-US" altLang="zh-CN" b="1" dirty="0" err="1">
+                <a:solidFill>
+                  <a:srgbClr val="4F4F4F"/>
+                </a:solidFill>
+                <a:latin typeface="PingFang SC"/>
+              </a:rPr>
+              <a:t>dev</a:t>
+            </a:r>
+            <a:r>
+              <a:rPr lang="en-US" altLang="zh-CN" b="1" dirty="0">
+                <a:solidFill>
+                  <a:srgbClr val="4F4F4F"/>
+                </a:solidFill>
+                <a:latin typeface="PingFang SC"/>
+              </a:rPr>
+              <a:t> </a:t>
+            </a:r>
+            <a:r>
+              <a:rPr lang="zh-CN" altLang="en-US" b="1" dirty="0">
+                <a:solidFill>
+                  <a:srgbClr val="4F4F4F"/>
+                </a:solidFill>
+                <a:latin typeface="PingFang SC"/>
+              </a:rPr>
+              <a:t>有，而 </a:t>
+            </a:r>
+            <a:r>
+              <a:rPr lang="en-US" altLang="zh-CN" b="1" dirty="0">
+                <a:solidFill>
+                  <a:srgbClr val="4F4F4F"/>
+                </a:solidFill>
+                <a:latin typeface="PingFang SC"/>
+              </a:rPr>
+              <a:t>master </a:t>
+            </a:r>
+            <a:r>
+              <a:rPr lang="zh-CN" altLang="en-US" b="1" dirty="0">
+                <a:solidFill>
+                  <a:srgbClr val="4F4F4F"/>
+                </a:solidFill>
+                <a:latin typeface="PingFang SC"/>
+              </a:rPr>
+              <a:t>中没有的</a:t>
+            </a:r>
+            <a:r>
+              <a:rPr lang="zh-CN" altLang="en-US" b="1" dirty="0" smtClean="0">
+                <a:solidFill>
+                  <a:srgbClr val="4F4F4F"/>
+                </a:solidFill>
+                <a:latin typeface="PingFang SC"/>
+              </a:rPr>
+              <a:t>：</a:t>
+            </a:r>
+            <a:r>
+              <a:rPr lang="en-US" altLang="zh-CN" dirty="0" err="1"/>
+              <a:t>git</a:t>
+            </a:r>
+            <a:r>
+              <a:rPr lang="en-US" altLang="zh-CN" dirty="0"/>
+              <a:t> log </a:t>
+            </a:r>
+            <a:r>
+              <a:rPr lang="en-US" altLang="zh-CN" dirty="0" err="1"/>
+              <a:t>dev</a:t>
+            </a:r>
+            <a:r>
+              <a:rPr lang="en-US" altLang="zh-CN" dirty="0"/>
+              <a:t> ^master</a:t>
+            </a:r>
+            <a:endParaRPr lang="zh-CN" altLang="en-US" b="1" i="0" dirty="0">
+              <a:solidFill>
+                <a:srgbClr val="4F4F4F"/>
+              </a:solidFill>
+              <a:effectLst/>
+              <a:latin typeface="PingFang SC"/>
+            </a:endParaRPr>
+          </a:p>
+        </p:txBody>
+      </p:sp>
+      <p:sp>
+        <p:nvSpPr>
+          <p:cNvPr id="6" name="矩形 5"/>
+          <p:cNvSpPr/>
+          <p:nvPr/>
+        </p:nvSpPr>
+        <p:spPr>
+          <a:xfrm>
+            <a:off x="908976" y="4146353"/>
+            <a:ext cx="6981591" cy="369332"/>
+          </a:xfrm>
+          <a:prstGeom prst="rect">
+            <a:avLst/>
+          </a:prstGeom>
+        </p:spPr>
+        <p:txBody>
+          <a:bodyPr wrap="none">
+            <a:spAutoFit/>
+          </a:bodyPr>
+          <a:lstStyle/>
+          <a:p>
+            <a:r>
+              <a:rPr lang="zh-CN" altLang="en-US" b="1" dirty="0">
+                <a:solidFill>
+                  <a:srgbClr val="4F4F4F"/>
+                </a:solidFill>
+                <a:latin typeface="PingFang SC"/>
+              </a:rPr>
+              <a:t>同理查看 </a:t>
+            </a:r>
+            <a:r>
+              <a:rPr lang="en-US" altLang="zh-CN" b="1" dirty="0">
+                <a:solidFill>
+                  <a:srgbClr val="4F4F4F"/>
+                </a:solidFill>
+                <a:latin typeface="PingFang SC"/>
+              </a:rPr>
+              <a:t>master </a:t>
+            </a:r>
+            <a:r>
+              <a:rPr lang="zh-CN" altLang="en-US" b="1" dirty="0">
+                <a:solidFill>
+                  <a:srgbClr val="4F4F4F"/>
+                </a:solidFill>
+                <a:latin typeface="PingFang SC"/>
+              </a:rPr>
+              <a:t>中有，而 </a:t>
+            </a:r>
+            <a:r>
+              <a:rPr lang="en-US" altLang="zh-CN" b="1" dirty="0" err="1">
+                <a:solidFill>
+                  <a:srgbClr val="4F4F4F"/>
+                </a:solidFill>
+                <a:latin typeface="PingFang SC"/>
+              </a:rPr>
+              <a:t>dev</a:t>
+            </a:r>
+            <a:r>
+              <a:rPr lang="en-US" altLang="zh-CN" b="1" dirty="0">
+                <a:solidFill>
+                  <a:srgbClr val="4F4F4F"/>
+                </a:solidFill>
+                <a:latin typeface="PingFang SC"/>
+              </a:rPr>
+              <a:t> </a:t>
+            </a:r>
+            <a:r>
+              <a:rPr lang="zh-CN" altLang="en-US" b="1" dirty="0">
+                <a:solidFill>
+                  <a:srgbClr val="4F4F4F"/>
+                </a:solidFill>
+                <a:latin typeface="PingFang SC"/>
+              </a:rPr>
+              <a:t>中没有的内容</a:t>
+            </a:r>
+            <a:r>
+              <a:rPr lang="zh-CN" altLang="en-US" b="1" dirty="0" smtClean="0">
+                <a:solidFill>
+                  <a:srgbClr val="4F4F4F"/>
+                </a:solidFill>
+                <a:latin typeface="PingFang SC"/>
+              </a:rPr>
+              <a:t>：</a:t>
+            </a:r>
+            <a:r>
+              <a:rPr lang="en-US" altLang="zh-CN" dirty="0" err="1"/>
+              <a:t>git</a:t>
+            </a:r>
+            <a:r>
+              <a:rPr lang="en-US" altLang="zh-CN" dirty="0"/>
+              <a:t> log master ^</a:t>
+            </a:r>
+            <a:r>
+              <a:rPr lang="en-US" altLang="zh-CN" dirty="0" err="1"/>
+              <a:t>dev</a:t>
+            </a:r>
+            <a:endParaRPr lang="zh-CN" altLang="en-US" b="1" i="0" dirty="0">
+              <a:solidFill>
+                <a:srgbClr val="4F4F4F"/>
+              </a:solidFill>
+              <a:effectLst/>
+              <a:latin typeface="PingFang SC"/>
+            </a:endParaRPr>
+          </a:p>
+        </p:txBody>
+      </p:sp>
+      <p:sp>
+        <p:nvSpPr>
+          <p:cNvPr id="7" name="矩形 6"/>
+          <p:cNvSpPr/>
+          <p:nvPr/>
+        </p:nvSpPr>
+        <p:spPr>
+          <a:xfrm>
+            <a:off x="676583" y="4869934"/>
+            <a:ext cx="7024102" cy="369332"/>
+          </a:xfrm>
+          <a:prstGeom prst="rect">
+            <a:avLst/>
+          </a:prstGeom>
+        </p:spPr>
+        <p:txBody>
+          <a:bodyPr wrap="none">
+            <a:spAutoFit/>
+          </a:bodyPr>
+          <a:lstStyle/>
+          <a:p>
+            <a:r>
+              <a:rPr lang="en-US" altLang="zh-CN" b="1" dirty="0">
+                <a:solidFill>
+                  <a:srgbClr val="4F4F4F"/>
+                </a:solidFill>
+                <a:latin typeface="PingFang SC"/>
+              </a:rPr>
+              <a:t>2.</a:t>
+            </a:r>
+            <a:r>
+              <a:rPr lang="zh-CN" altLang="en-US" b="1" dirty="0">
+                <a:solidFill>
+                  <a:srgbClr val="4F4F4F"/>
+                </a:solidFill>
+                <a:latin typeface="PingFang SC"/>
+              </a:rPr>
+              <a:t>查看 </a:t>
+            </a:r>
+            <a:r>
+              <a:rPr lang="en-US" altLang="zh-CN" b="1" dirty="0" err="1">
+                <a:solidFill>
+                  <a:srgbClr val="4F4F4F"/>
+                </a:solidFill>
+                <a:latin typeface="PingFang SC"/>
+              </a:rPr>
+              <a:t>dev</a:t>
+            </a:r>
+            <a:r>
+              <a:rPr lang="en-US" altLang="zh-CN" b="1" dirty="0">
+                <a:solidFill>
+                  <a:srgbClr val="4F4F4F"/>
+                </a:solidFill>
+                <a:latin typeface="PingFang SC"/>
+              </a:rPr>
+              <a:t> </a:t>
+            </a:r>
+            <a:r>
+              <a:rPr lang="zh-CN" altLang="en-US" b="1" dirty="0">
+                <a:solidFill>
+                  <a:srgbClr val="4F4F4F"/>
+                </a:solidFill>
+                <a:latin typeface="PingFang SC"/>
+              </a:rPr>
+              <a:t>中比 </a:t>
+            </a:r>
+            <a:r>
+              <a:rPr lang="en-US" altLang="zh-CN" b="1" dirty="0">
+                <a:solidFill>
+                  <a:srgbClr val="4F4F4F"/>
+                </a:solidFill>
+                <a:latin typeface="PingFang SC"/>
+              </a:rPr>
+              <a:t>master </a:t>
+            </a:r>
+            <a:r>
+              <a:rPr lang="zh-CN" altLang="en-US" b="1" dirty="0">
+                <a:solidFill>
+                  <a:srgbClr val="4F4F4F"/>
+                </a:solidFill>
+                <a:latin typeface="PingFang SC"/>
+              </a:rPr>
+              <a:t>中多提交了哪些内容</a:t>
+            </a:r>
+            <a:r>
+              <a:rPr lang="zh-CN" altLang="en-US" b="1" dirty="0" smtClean="0">
+                <a:solidFill>
+                  <a:srgbClr val="4F4F4F"/>
+                </a:solidFill>
+                <a:latin typeface="PingFang SC"/>
+              </a:rPr>
+              <a:t>： </a:t>
+            </a:r>
+            <a:r>
+              <a:rPr lang="en-US" altLang="zh-CN" dirty="0" err="1"/>
+              <a:t>git</a:t>
+            </a:r>
+            <a:r>
+              <a:rPr lang="en-US" altLang="zh-CN" dirty="0"/>
+              <a:t> log master..</a:t>
+            </a:r>
+            <a:r>
+              <a:rPr lang="en-US" altLang="zh-CN" dirty="0" err="1"/>
+              <a:t>dev</a:t>
+            </a:r>
+            <a:endParaRPr lang="zh-CN" altLang="en-US" b="1" i="0" dirty="0">
+              <a:solidFill>
+                <a:srgbClr val="4F4F4F"/>
+              </a:solidFill>
+              <a:effectLst/>
+              <a:latin typeface="PingFang SC"/>
+            </a:endParaRPr>
+          </a:p>
+        </p:txBody>
+      </p:sp>
+      <p:sp>
+        <p:nvSpPr>
+          <p:cNvPr id="8" name="矩形 7"/>
+          <p:cNvSpPr/>
+          <p:nvPr/>
+        </p:nvSpPr>
+        <p:spPr>
+          <a:xfrm>
+            <a:off x="908976" y="5370374"/>
+            <a:ext cx="8768424" cy="646331"/>
+          </a:xfrm>
+          <a:prstGeom prst="rect">
+            <a:avLst/>
+          </a:prstGeom>
+        </p:spPr>
+        <p:txBody>
+          <a:bodyPr wrap="square">
+            <a:spAutoFit/>
+          </a:bodyPr>
+          <a:lstStyle/>
+          <a:p>
+            <a:r>
+              <a:rPr lang="zh-CN" altLang="en-US" b="1" dirty="0">
+                <a:solidFill>
+                  <a:srgbClr val="4F4F4F"/>
+                </a:solidFill>
+                <a:latin typeface="PingFang SC"/>
+              </a:rPr>
+              <a:t>注意，列出来的是两个点后边（此处即</a:t>
+            </a:r>
+            <a:r>
+              <a:rPr lang="en-US" altLang="zh-CN" b="1" dirty="0" err="1">
+                <a:solidFill>
+                  <a:srgbClr val="4F4F4F"/>
+                </a:solidFill>
+                <a:latin typeface="PingFang SC"/>
+              </a:rPr>
+              <a:t>dev</a:t>
+            </a:r>
+            <a:r>
+              <a:rPr lang="zh-CN" altLang="en-US" b="1" dirty="0">
+                <a:solidFill>
+                  <a:srgbClr val="4F4F4F"/>
+                </a:solidFill>
+                <a:latin typeface="PingFang SC"/>
+              </a:rPr>
+              <a:t>）多提交的内容。同理，想知道 </a:t>
+            </a:r>
+            <a:r>
+              <a:rPr lang="en-US" altLang="zh-CN" b="1" dirty="0">
+                <a:solidFill>
+                  <a:srgbClr val="4F4F4F"/>
+                </a:solidFill>
+                <a:latin typeface="PingFang SC"/>
+              </a:rPr>
+              <a:t>master </a:t>
+            </a:r>
+            <a:r>
+              <a:rPr lang="zh-CN" altLang="en-US" b="1" dirty="0">
+                <a:solidFill>
+                  <a:srgbClr val="4F4F4F"/>
+                </a:solidFill>
+                <a:latin typeface="PingFang SC"/>
+              </a:rPr>
+              <a:t>比 </a:t>
+            </a:r>
+            <a:r>
+              <a:rPr lang="en-US" altLang="zh-CN" b="1" dirty="0" err="1">
+                <a:solidFill>
+                  <a:srgbClr val="4F4F4F"/>
+                </a:solidFill>
+                <a:latin typeface="PingFang SC"/>
+              </a:rPr>
+              <a:t>dev</a:t>
+            </a:r>
+            <a:r>
+              <a:rPr lang="en-US" altLang="zh-CN" b="1" dirty="0">
+                <a:solidFill>
+                  <a:srgbClr val="4F4F4F"/>
+                </a:solidFill>
+                <a:latin typeface="PingFang SC"/>
+              </a:rPr>
+              <a:t> </a:t>
+            </a:r>
+            <a:r>
+              <a:rPr lang="zh-CN" altLang="en-US" b="1" dirty="0">
+                <a:solidFill>
+                  <a:srgbClr val="4F4F4F"/>
+                </a:solidFill>
+                <a:latin typeface="PingFang SC"/>
+              </a:rPr>
+              <a:t>多提交了</a:t>
+            </a:r>
+            <a:r>
+              <a:rPr lang="zh-CN" altLang="en-US" b="1" dirty="0" smtClean="0">
+                <a:solidFill>
+                  <a:srgbClr val="4F4F4F"/>
+                </a:solidFill>
+                <a:latin typeface="PingFang SC"/>
+              </a:rPr>
+              <a:t>什么： </a:t>
+            </a:r>
+            <a:r>
+              <a:rPr lang="en-US" altLang="zh-CN" dirty="0" err="1"/>
+              <a:t>git</a:t>
+            </a:r>
+            <a:r>
+              <a:rPr lang="en-US" altLang="zh-CN" dirty="0"/>
+              <a:t> log </a:t>
+            </a:r>
+            <a:r>
+              <a:rPr lang="en-US" altLang="zh-CN" dirty="0" err="1"/>
+              <a:t>dev..master</a:t>
+            </a:r>
+            <a:endParaRPr lang="zh-CN" altLang="en-US" b="1" i="0" dirty="0">
+              <a:solidFill>
+                <a:srgbClr val="4F4F4F"/>
+              </a:solidFill>
+              <a:effectLst/>
+              <a:latin typeface="PingFang SC"/>
+            </a:endParaRPr>
+          </a:p>
+        </p:txBody>
+      </p:sp>
+    </p:spTree>
+    <p:extLst>
+      <p:ext uri="{BB962C8B-B14F-4D97-AF65-F5344CB8AC3E}">
+        <p14:creationId xmlns:p14="http://schemas.microsoft.com/office/powerpoint/2010/main" val="951217785"/>
+      </p:ext>
+    </p:extLst>
+  </p:cSld>
+  <p:clrMapOvr>
+    <a:masterClrMapping/>
+  </p:clrMapOvr>
+</p:sld>
+</file>
+
+<file path=ppt/slides/slide31.xml><?xml version="1.0" encoding="utf-8"?>
+<p:sld xmlns:a="http://schemas.openxmlformats.org/drawingml/2006/main" xmlns:r="http://schemas.openxmlformats.org/officeDocument/2006/relationships" xmlns:p="http://schemas.openxmlformats.org/presentationml/2006/main">
+  <p:cSld>
+    <p:spTree>
+      <p:nvGrpSpPr>
+        <p:cNvPr id="1" name=""/>
+        <p:cNvGrpSpPr/>
+        <p:nvPr/>
+      </p:nvGrpSpPr>
+      <p:grpSpPr>
+        <a:xfrm>
+          <a:off x="0" y="0"/>
+          <a:ext cx="0" cy="0"/>
+          <a:chOff x="0" y="0"/>
+          <a:chExt cx="0" cy="0"/>
+        </a:xfrm>
+      </p:grpSpPr>
+      <p:sp>
+        <p:nvSpPr>
+          <p:cNvPr id="2" name="矩形 1"/>
+          <p:cNvSpPr/>
+          <p:nvPr/>
+        </p:nvSpPr>
+        <p:spPr>
+          <a:xfrm>
+            <a:off x="571500" y="324535"/>
+            <a:ext cx="8788400" cy="369332"/>
+          </a:xfrm>
+          <a:prstGeom prst="rect">
+            <a:avLst/>
+          </a:prstGeom>
+        </p:spPr>
+        <p:txBody>
+          <a:bodyPr wrap="square">
+            <a:spAutoFit/>
+          </a:bodyPr>
+          <a:lstStyle/>
+          <a:p>
+            <a:r>
+              <a:rPr lang="en-US" altLang="zh-CN" b="1" dirty="0">
+                <a:solidFill>
+                  <a:srgbClr val="4F4F4F"/>
+                </a:solidFill>
+                <a:latin typeface="PingFang SC"/>
+              </a:rPr>
+              <a:t>3.</a:t>
+            </a:r>
+            <a:r>
+              <a:rPr lang="zh-CN" altLang="en-US" b="1" dirty="0">
+                <a:solidFill>
+                  <a:srgbClr val="4F4F4F"/>
+                </a:solidFill>
+                <a:latin typeface="PingFang SC"/>
+              </a:rPr>
+              <a:t>不知道谁提交的多谁提交的少，单纯想知道有什么</a:t>
+            </a:r>
+            <a:r>
+              <a:rPr lang="zh-CN" altLang="en-US" b="1" dirty="0" smtClean="0">
+                <a:solidFill>
+                  <a:srgbClr val="4F4F4F"/>
+                </a:solidFill>
+                <a:latin typeface="PingFang SC"/>
+              </a:rPr>
+              <a:t>不一样：</a:t>
+            </a:r>
+            <a:r>
+              <a:rPr lang="en-US" altLang="zh-CN" dirty="0" err="1"/>
+              <a:t>git</a:t>
+            </a:r>
+            <a:r>
+              <a:rPr lang="en-US" altLang="zh-CN" dirty="0"/>
+              <a:t> log dev...master</a:t>
+            </a:r>
+            <a:endParaRPr lang="zh-CN" altLang="en-US" b="1" i="0" dirty="0">
+              <a:solidFill>
+                <a:srgbClr val="4F4F4F"/>
+              </a:solidFill>
+              <a:effectLst/>
+              <a:latin typeface="PingFang SC"/>
+            </a:endParaRPr>
+          </a:p>
+        </p:txBody>
+      </p:sp>
+      <p:sp>
+        <p:nvSpPr>
+          <p:cNvPr id="3" name="矩形 2"/>
+          <p:cNvSpPr/>
+          <p:nvPr/>
+        </p:nvSpPr>
+        <p:spPr>
+          <a:xfrm>
+            <a:off x="571500" y="1009134"/>
+            <a:ext cx="5764720" cy="369332"/>
+          </a:xfrm>
+          <a:prstGeom prst="rect">
+            <a:avLst/>
+          </a:prstGeom>
+        </p:spPr>
+        <p:txBody>
+          <a:bodyPr wrap="none">
+            <a:spAutoFit/>
+          </a:bodyPr>
+          <a:lstStyle/>
+          <a:p>
+            <a:r>
+              <a:rPr lang="en-US" altLang="zh-CN" b="1" dirty="0">
+                <a:solidFill>
+                  <a:srgbClr val="4F4F4F"/>
+                </a:solidFill>
+                <a:latin typeface="PingFang SC"/>
+              </a:rPr>
+              <a:t>4.</a:t>
+            </a:r>
+            <a:r>
+              <a:rPr lang="zh-CN" altLang="en-US" b="1" dirty="0">
+                <a:solidFill>
+                  <a:srgbClr val="4F4F4F"/>
+                </a:solidFill>
+                <a:latin typeface="PingFang SC"/>
+              </a:rPr>
+              <a:t>在上述情况下，再显示出每个提交是在哪个分支上：</a:t>
+            </a:r>
+            <a:endParaRPr lang="zh-CN" altLang="en-US" b="1" i="0" dirty="0">
+              <a:solidFill>
+                <a:srgbClr val="4F4F4F"/>
+              </a:solidFill>
+              <a:effectLst/>
+              <a:latin typeface="PingFang SC"/>
+            </a:endParaRPr>
+          </a:p>
+        </p:txBody>
+      </p:sp>
+      <p:sp>
+        <p:nvSpPr>
+          <p:cNvPr id="4" name="矩形 3"/>
+          <p:cNvSpPr/>
+          <p:nvPr/>
+        </p:nvSpPr>
+        <p:spPr>
+          <a:xfrm>
+            <a:off x="972299" y="1509067"/>
+            <a:ext cx="3993401" cy="369332"/>
+          </a:xfrm>
+          <a:prstGeom prst="rect">
+            <a:avLst/>
+          </a:prstGeom>
+        </p:spPr>
+        <p:txBody>
+          <a:bodyPr wrap="none">
+            <a:spAutoFit/>
+          </a:bodyPr>
+          <a:lstStyle/>
+          <a:p>
+            <a:r>
+              <a:rPr lang="en-US" altLang="zh-CN" dirty="0" err="1">
+                <a:solidFill>
+                  <a:srgbClr val="4F4F4F"/>
+                </a:solidFill>
+                <a:latin typeface="Source Code Pro"/>
+              </a:rPr>
+              <a:t>git</a:t>
+            </a:r>
+            <a:r>
+              <a:rPr lang="en-US" altLang="zh-CN" dirty="0">
+                <a:solidFill>
+                  <a:srgbClr val="4F4F4F"/>
+                </a:solidFill>
+                <a:latin typeface="Source Code Pro"/>
+              </a:rPr>
+              <a:t> log --left-right dev...master</a:t>
+            </a:r>
+            <a:endParaRPr lang="zh-CN" altLang="en-US" dirty="0"/>
+          </a:p>
+        </p:txBody>
+      </p:sp>
+      <p:sp>
+        <p:nvSpPr>
+          <p:cNvPr id="5" name="矩形 4"/>
+          <p:cNvSpPr/>
+          <p:nvPr/>
+        </p:nvSpPr>
+        <p:spPr>
+          <a:xfrm>
+            <a:off x="972298" y="2167235"/>
+            <a:ext cx="8705101" cy="646331"/>
+          </a:xfrm>
+          <a:prstGeom prst="rect">
+            <a:avLst/>
+          </a:prstGeom>
+        </p:spPr>
+        <p:txBody>
+          <a:bodyPr wrap="square">
+            <a:spAutoFit/>
+          </a:bodyPr>
+          <a:lstStyle/>
+          <a:p>
+            <a:r>
+              <a:rPr lang="zh-CN" altLang="en-US" b="1" dirty="0">
+                <a:solidFill>
+                  <a:srgbClr val="FF0000"/>
+                </a:solidFill>
+                <a:latin typeface="PingFang SC"/>
+              </a:rPr>
+              <a:t>注意 </a:t>
+            </a:r>
+            <a:r>
+              <a:rPr lang="en-US" altLang="zh-CN" b="1" dirty="0">
+                <a:solidFill>
+                  <a:srgbClr val="FF0000"/>
+                </a:solidFill>
+                <a:latin typeface="PingFang SC"/>
+              </a:rPr>
+              <a:t>commit </a:t>
+            </a:r>
+            <a:r>
+              <a:rPr lang="zh-CN" altLang="en-US" b="1" dirty="0">
+                <a:solidFill>
+                  <a:srgbClr val="FF0000"/>
+                </a:solidFill>
+                <a:latin typeface="PingFang SC"/>
+              </a:rPr>
+              <a:t>后面的箭头，根据我们在 </a:t>
+            </a:r>
+            <a:r>
+              <a:rPr lang="en-US" altLang="zh-CN" b="1" dirty="0">
+                <a:solidFill>
+                  <a:srgbClr val="FF0000"/>
+                </a:solidFill>
+                <a:latin typeface="PingFang SC"/>
+              </a:rPr>
+              <a:t>–left-right </a:t>
+            </a:r>
+            <a:r>
+              <a:rPr lang="en-US" altLang="zh-CN" b="1" dirty="0" err="1">
+                <a:solidFill>
+                  <a:srgbClr val="FF0000"/>
+                </a:solidFill>
+                <a:latin typeface="PingFang SC"/>
+              </a:rPr>
+              <a:t>dev</a:t>
+            </a:r>
+            <a:r>
+              <a:rPr lang="en-US" altLang="zh-CN" b="1" dirty="0">
+                <a:solidFill>
+                  <a:srgbClr val="FF0000"/>
+                </a:solidFill>
+                <a:latin typeface="PingFang SC"/>
+              </a:rPr>
+              <a:t>…master </a:t>
+            </a:r>
+            <a:r>
+              <a:rPr lang="zh-CN" altLang="en-US" b="1" dirty="0">
+                <a:solidFill>
+                  <a:srgbClr val="FF0000"/>
+                </a:solidFill>
+                <a:latin typeface="PingFang SC"/>
+              </a:rPr>
+              <a:t>的顺序，左箭头 </a:t>
+            </a:r>
+            <a:r>
+              <a:rPr lang="en-US" altLang="zh-CN" b="1" dirty="0">
+                <a:solidFill>
+                  <a:srgbClr val="FF0000"/>
+                </a:solidFill>
+                <a:latin typeface="PingFang SC"/>
+              </a:rPr>
+              <a:t>&lt; </a:t>
+            </a:r>
+            <a:r>
+              <a:rPr lang="zh-CN" altLang="en-US" b="1" dirty="0">
+                <a:solidFill>
+                  <a:srgbClr val="FF0000"/>
+                </a:solidFill>
+                <a:latin typeface="PingFang SC"/>
+              </a:rPr>
+              <a:t>表示是 </a:t>
+            </a:r>
+            <a:r>
+              <a:rPr lang="en-US" altLang="zh-CN" b="1" dirty="0" err="1">
+                <a:solidFill>
+                  <a:srgbClr val="FF0000"/>
+                </a:solidFill>
+                <a:latin typeface="PingFang SC"/>
+              </a:rPr>
+              <a:t>dev</a:t>
+            </a:r>
+            <a:r>
+              <a:rPr lang="en-US" altLang="zh-CN" b="1" dirty="0">
+                <a:solidFill>
+                  <a:srgbClr val="FF0000"/>
+                </a:solidFill>
+                <a:latin typeface="PingFang SC"/>
+              </a:rPr>
+              <a:t> </a:t>
+            </a:r>
+            <a:r>
+              <a:rPr lang="zh-CN" altLang="en-US" b="1" dirty="0">
+                <a:solidFill>
+                  <a:srgbClr val="FF0000"/>
+                </a:solidFill>
+                <a:latin typeface="PingFang SC"/>
+              </a:rPr>
+              <a:t>的，右箭头 </a:t>
+            </a:r>
+            <a:r>
+              <a:rPr lang="en-US" altLang="zh-CN" b="1" dirty="0">
+                <a:solidFill>
+                  <a:srgbClr val="FF0000"/>
+                </a:solidFill>
+                <a:latin typeface="PingFang SC"/>
+              </a:rPr>
+              <a:t>&gt; </a:t>
+            </a:r>
+            <a:r>
+              <a:rPr lang="zh-CN" altLang="en-US" b="1" dirty="0">
+                <a:solidFill>
+                  <a:srgbClr val="FF0000"/>
+                </a:solidFill>
+                <a:latin typeface="PingFang SC"/>
+              </a:rPr>
+              <a:t>表示是 </a:t>
+            </a:r>
+            <a:r>
+              <a:rPr lang="en-US" altLang="zh-CN" b="1" dirty="0">
+                <a:solidFill>
+                  <a:srgbClr val="FF0000"/>
+                </a:solidFill>
+                <a:latin typeface="PingFang SC"/>
+              </a:rPr>
+              <a:t>master</a:t>
+            </a:r>
+            <a:r>
+              <a:rPr lang="zh-CN" altLang="en-US" b="1" dirty="0">
+                <a:solidFill>
+                  <a:srgbClr val="FF0000"/>
+                </a:solidFill>
+                <a:latin typeface="PingFang SC"/>
+              </a:rPr>
+              <a:t>的。</a:t>
+            </a:r>
+            <a:endParaRPr lang="zh-CN" altLang="en-US" b="1" i="0" dirty="0">
+              <a:solidFill>
+                <a:srgbClr val="FF0000"/>
+              </a:solidFill>
+              <a:effectLst/>
+              <a:latin typeface="PingFang SC"/>
+            </a:endParaRPr>
+          </a:p>
+        </p:txBody>
+      </p:sp>
+    </p:spTree>
+    <p:extLst>
+      <p:ext uri="{BB962C8B-B14F-4D97-AF65-F5344CB8AC3E}">
+        <p14:creationId xmlns:p14="http://schemas.microsoft.com/office/powerpoint/2010/main" val="4121052407"/>
+      </p:ext>
+    </p:extLst>
+  </p:cSld>
+  <p:clrMapOvr>
+    <a:masterClrMapping/>
+  </p:clrMapOvr>
+</p:sld>
+</file>
+
 <file path=ppt/slides/slide4.xml><?xml version="1.0" encoding="utf-8"?>
 <p:sld xmlns:a="http://schemas.openxmlformats.org/drawingml/2006/main" xmlns:r="http://schemas.openxmlformats.org/officeDocument/2006/relationships" xmlns:p="http://schemas.openxmlformats.org/presentationml/2006/main">
   <p:cSld>
